--- a/Educato.pptx
+++ b/Educato.pptx
@@ -11821,7 +11821,46 @@
                 <a:cs typeface="Barlow Medium"/>
                 <a:sym typeface="Barlow Medium"/>
               </a:rPr>
-              <a:t>HUS STUDENTS COULD EASILY CHAT ABOUT THEIR DOUBTS WITH TEACHER EASILY AND ON REAL TIME COMMUNITY.</a:t>
+              <a:t>HUS STUDENTS COULD EASILY CHAT AND CLEAR THEIR DOUBTS WITH TEACHER EASILY AND ON REAL TIME CHAT SERVICE.</a:t>
+            </a:r>
+          </a:p>
+          <a:p>
+            <a:pPr marL="342900" marR="0" lvl="0" indent="-342900" algn="l" rtl="0">
+              <a:lnSpc>
+                <a:spcPct val="150000"/>
+              </a:lnSpc>
+              <a:spcBef>
+                <a:spcPts val="0"/>
+              </a:spcBef>
+              <a:spcAft>
+                <a:spcPts val="0"/>
+              </a:spcAft>
+              <a:buFont typeface="Arial" panose="020B0604020202020204" pitchFamily="34" charset="0"/>
+              <a:buChar char="•"/>
+            </a:pPr>
+            <a:r>
+              <a:rPr lang="en-IN" sz="2400" b="0" i="0" u="none" strike="noStrike" cap="none" dirty="0">
+                <a:solidFill>
+                  <a:srgbClr val="141414"/>
+                </a:solidFill>
+                <a:latin typeface="Barlow Medium"/>
+                <a:ea typeface="Barlow Medium"/>
+                <a:cs typeface="Barlow Medium"/>
+                <a:sym typeface="Barlow Medium"/>
+              </a:rPr>
+              <a:t>THIS MAKES </a:t>
+            </a:r>
+            <a:r>
+              <a:rPr lang="en-IN" sz="2400" dirty="0">
+                <a:solidFill>
+                  <a:srgbClr val="141414"/>
+                </a:solidFill>
+                <a:latin typeface="Barlow Medium"/>
+                <a:ea typeface="Barlow Medium"/>
+                <a:cs typeface="Barlow Medium"/>
+                <a:sym typeface="Barlow Medium"/>
+              </a:rPr>
+              <a:t>LEARNING FUN AND INTERESTING .</a:t>
             </a:r>
             <a:endParaRPr lang="en-IN" sz="2400" b="0" i="0" u="none" strike="noStrike" cap="none" dirty="0">
               <a:solidFill>
